--- a/files/CogPsychDay15.pptx
+++ b/files/CogPsychDay15.pptx
@@ -18663,10 +18663,14 @@
               <a:buNone/>
             </a:pPr>
             <a:r>
-              <a:rPr lang="en"/>
-              <a:t>Testing knowledge of Language, STM/WM, LTM, AM</a:t>
-            </a:r>
-            <a:endParaRPr/>
+              <a:rPr lang="en" dirty="0"/>
+              <a:t>Testing knowledge of Language, STM/WM, </a:t>
+            </a:r>
+            <a:r>
+              <a:rPr lang="en" dirty="0" smtClean="0"/>
+              <a:t>LTM</a:t>
+            </a:r>
+            <a:endParaRPr dirty="0"/>
           </a:p>
         </p:txBody>
       </p:sp>

--- a/files/CogPsychDay15.pptx
+++ b/files/CogPsychDay15.pptx
@@ -72,14 +72,14 @@
   <p:notesSz cx="7010400" cy="9296400"/>
   <p:embeddedFontLst>
     <p:embeddedFont>
-      <p:font typeface="Lato" panose="020B0604020202020204" charset="0"/>
+      <p:font typeface="Raleway" panose="020B0604020202020204" charset="0"/>
       <p:regular r:id="rId62"/>
       <p:bold r:id="rId63"/>
       <p:italic r:id="rId64"/>
       <p:boldItalic r:id="rId65"/>
     </p:embeddedFont>
     <p:embeddedFont>
-      <p:font typeface="Raleway" panose="020B0604020202020204" charset="0"/>
+      <p:font typeface="Lato" panose="020B0604020202020204" charset="0"/>
       <p:regular r:id="rId66"/>
       <p:bold r:id="rId67"/>
       <p:italic r:id="rId68"/>
@@ -22793,10 +22793,14 @@
               <a:buNone/>
             </a:pPr>
             <a:r>
-              <a:rPr lang="en"/>
-              <a:t>We’ve gone over a lot since the last quiz</a:t>
-            </a:r>
-            <a:endParaRPr/>
+              <a:rPr lang="en" dirty="0"/>
+              <a:t>We’ve gone over a lot since the last </a:t>
+            </a:r>
+            <a:r>
+              <a:rPr lang="en" dirty="0" smtClean="0"/>
+              <a:t>review</a:t>
+            </a:r>
+            <a:endParaRPr dirty="0"/>
           </a:p>
         </p:txBody>
       </p:sp>
